--- a/H-Javascript-Design-Patterns/Fullstack_Javascript_Design_Patterns_Training_Presentation.pptx
+++ b/H-Javascript-Design-Patterns/Fullstack_Javascript_Design_Patterns_Training_Presentation.pptx
@@ -182,7 +182,7 @@
   </p:defaultTextStyle>
   <p:extLst>
     <p:ext uri="{EFAFB233-063F-42B5-8137-9DF3F51BA10A}">
-      <p15:sldGuideLst xmlns:p15="http://schemas.microsoft.com/office/powerpoint/2012/main" xmlns="">
+      <p15:sldGuideLst xmlns:p15="http://schemas.microsoft.com/office/powerpoint/2012/main">
         <p15:guide id="1" orient="horz" pos="4233">
           <p15:clr>
             <a:srgbClr val="A4A3A4"/>
@@ -196,7 +196,7 @@
       </p15:sldGuideLst>
     </p:ext>
     <p:ext uri="{2D200454-40CA-4A62-9FC3-DE9A4176ACB9}">
-      <p15:notesGuideLst xmlns:p15="http://schemas.microsoft.com/office/powerpoint/2012/main" xmlns="">
+      <p15:notesGuideLst xmlns:p15="http://schemas.microsoft.com/office/powerpoint/2012/main">
         <p15:guide id="1" orient="horz" pos="3120">
           <p15:clr>
             <a:srgbClr val="A4A3A4"/>
@@ -10486,7 +10486,7 @@
           <a:graphicData uri="http://schemas.openxmlformats.org/presentationml/2006/ole">
             <mc:AlternateContent xmlns:mc="http://schemas.openxmlformats.org/markup-compatibility/2006">
               <mc:Choice xmlns:v="urn:schemas-microsoft-com:vml" Requires="v">
-                <p:oleObj spid="_x0000_s1149" name="think-cell Slide" r:id="rId25" imgW="0" imgH="0" progId="">
+                <p:oleObj spid="_x0000_s1153" name="think-cell Slide" r:id="rId25" imgW="0" imgH="0" progId="">
                   <p:embed/>
                 </p:oleObj>
               </mc:Choice>
@@ -11236,7 +11236,7 @@
           <a:graphicData uri="http://schemas.openxmlformats.org/presentationml/2006/ole">
             <mc:AlternateContent xmlns:mc="http://schemas.openxmlformats.org/markup-compatibility/2006">
               <mc:Choice xmlns:v="urn:schemas-microsoft-com:vml" Requires="v">
-                <p:oleObj spid="_x0000_s1150" name="Acrobat Document" r:id="rId27" imgW="12966480" imgH="8997120" progId="AcroExch.Document.11">
+                <p:oleObj spid="_x0000_s1154" name="Acrobat Document" r:id="rId27" imgW="12966480" imgH="8997120" progId="AcroExch.Document.11">
                   <p:embed/>
                 </p:oleObj>
               </mc:Choice>
@@ -14616,7 +14616,7 @@
           <a:graphicData uri="http://schemas.openxmlformats.org/presentationml/2006/ole">
             <mc:AlternateContent xmlns:mc="http://schemas.openxmlformats.org/markup-compatibility/2006">
               <mc:Choice xmlns:v="urn:schemas-microsoft-com:vml" Requires="v">
-                <p:oleObj spid="_x0000_s52287" name="think-cell Slide" r:id="rId5" imgW="0" imgH="0" progId="">
+                <p:oleObj spid="_x0000_s52289" name="think-cell Slide" r:id="rId5" imgW="0" imgH="0" progId="">
                   <p:embed/>
                 </p:oleObj>
               </mc:Choice>
@@ -15204,7 +15204,7 @@
           <a:graphicData uri="http://schemas.openxmlformats.org/presentationml/2006/ole">
             <mc:AlternateContent xmlns:mc="http://schemas.openxmlformats.org/markup-compatibility/2006">
               <mc:Choice xmlns:v="urn:schemas-microsoft-com:vml" Requires="v">
-                <p:oleObj spid="_x0000_s114721" name="think-cell Slide" r:id="rId5" imgW="0" imgH="0" progId="">
+                <p:oleObj spid="_x0000_s114723" name="think-cell Slide" r:id="rId5" imgW="0" imgH="0" progId="">
                   <p:embed/>
                 </p:oleObj>
               </mc:Choice>
@@ -16344,7 +16344,7 @@
           <a:graphicData uri="http://schemas.openxmlformats.org/presentationml/2006/ole">
             <mc:AlternateContent xmlns:mc="http://schemas.openxmlformats.org/markup-compatibility/2006">
               <mc:Choice xmlns:v="urn:schemas-microsoft-com:vml" Requires="v">
-                <p:oleObj spid="_x0000_s116769" name="think-cell Slide" r:id="rId5" imgW="0" imgH="0" progId="">
+                <p:oleObj spid="_x0000_s116771" name="think-cell Slide" r:id="rId5" imgW="0" imgH="0" progId="">
                   <p:embed/>
                 </p:oleObj>
               </mc:Choice>
@@ -17296,7 +17296,7 @@
           <a:graphicData uri="http://schemas.openxmlformats.org/presentationml/2006/ole">
             <mc:AlternateContent xmlns:mc="http://schemas.openxmlformats.org/markup-compatibility/2006">
               <mc:Choice xmlns:v="urn:schemas-microsoft-com:vml" Requires="v">
-                <p:oleObj spid="_x0000_s117791" name="think-cell Slide" r:id="rId5" imgW="0" imgH="0" progId="">
+                <p:oleObj spid="_x0000_s117793" name="think-cell Slide" r:id="rId5" imgW="0" imgH="0" progId="">
                   <p:embed/>
                 </p:oleObj>
               </mc:Choice>
@@ -18154,7 +18154,7 @@
           <a:graphicData uri="http://schemas.openxmlformats.org/presentationml/2006/ole">
             <mc:AlternateContent xmlns:mc="http://schemas.openxmlformats.org/markup-compatibility/2006">
               <mc:Choice xmlns:v="urn:schemas-microsoft-com:vml" Requires="v">
-                <p:oleObj spid="_x0000_s91193" name="think-cell Slide" r:id="rId5" imgW="0" imgH="0" progId="">
+                <p:oleObj spid="_x0000_s91195" name="think-cell Slide" r:id="rId5" imgW="0" imgH="0" progId="">
                   <p:embed/>
                 </p:oleObj>
               </mc:Choice>
@@ -18308,17 +18308,6 @@
               </a:rPr>
               <a:t>: </a:t>
             </a:r>
-            <a:endParaRPr lang="en-US" sz="2400" kern="0" dirty="0" smtClean="0">
-              <a:solidFill>
-                <a:schemeClr val="tx2">
-                  <a:lumMod val="75000"/>
-                  <a:lumOff val="25000"/>
-                </a:schemeClr>
-              </a:solidFill>
-              <a:latin typeface="Open Sans"/>
-              <a:ea typeface="+mj-ea"/>
-              <a:cs typeface="+mj-cs"/>
-            </a:endParaRPr>
           </a:p>
           <a:p>
             <a:pPr algn="ctr" defTabSz="895350" eaLnBrk="0" hangingPunct="0">
@@ -18722,7 +18711,7 @@
           <a:graphicData uri="http://schemas.openxmlformats.org/presentationml/2006/ole">
             <mc:AlternateContent xmlns:mc="http://schemas.openxmlformats.org/markup-compatibility/2006">
               <mc:Choice xmlns:v="urn:schemas-microsoft-com:vml" Requires="v">
-                <p:oleObj spid="_x0000_s120862" name="think-cell Slide" r:id="rId5" imgW="0" imgH="0" progId="">
+                <p:oleObj spid="_x0000_s120864" name="think-cell Slide" r:id="rId5" imgW="0" imgH="0" progId="">
                   <p:embed/>
                 </p:oleObj>
               </mc:Choice>
@@ -19556,7 +19545,7 @@
           <a:graphicData uri="http://schemas.openxmlformats.org/presentationml/2006/ole">
             <mc:AlternateContent xmlns:mc="http://schemas.openxmlformats.org/markup-compatibility/2006">
               <mc:Choice xmlns:v="urn:schemas-microsoft-com:vml" Requires="v">
-                <p:oleObj spid="_x0000_s118815" name="think-cell Slide" r:id="rId5" imgW="0" imgH="0" progId="">
+                <p:oleObj spid="_x0000_s118817" name="think-cell Slide" r:id="rId5" imgW="0" imgH="0" progId="">
                   <p:embed/>
                 </p:oleObj>
               </mc:Choice>
@@ -20803,7 +20792,7 @@
           <a:graphicData uri="http://schemas.openxmlformats.org/presentationml/2006/ole">
             <mc:AlternateContent xmlns:mc="http://schemas.openxmlformats.org/markup-compatibility/2006">
               <mc:Choice xmlns:v="urn:schemas-microsoft-com:vml" Requires="v">
-                <p:oleObj spid="_x0000_s121882" name="think-cell Slide" r:id="rId5" imgW="0" imgH="0" progId="">
+                <p:oleObj spid="_x0000_s121884" name="think-cell Slide" r:id="rId5" imgW="0" imgH="0" progId="">
                   <p:embed/>
                 </p:oleObj>
               </mc:Choice>
@@ -22126,7 +22115,7 @@
           <a:graphicData uri="http://schemas.openxmlformats.org/presentationml/2006/ole">
             <mc:AlternateContent xmlns:mc="http://schemas.openxmlformats.org/markup-compatibility/2006">
               <mc:Choice xmlns:v="urn:schemas-microsoft-com:vml" Requires="v">
-                <p:oleObj spid="_x0000_s122906" name="think-cell Slide" r:id="rId5" imgW="0" imgH="0" progId="">
+                <p:oleObj spid="_x0000_s122908" name="think-cell Slide" r:id="rId5" imgW="0" imgH="0" progId="">
                   <p:embed/>
                 </p:oleObj>
               </mc:Choice>
@@ -23398,7 +23387,7 @@
           <a:graphicData uri="http://schemas.openxmlformats.org/presentationml/2006/ole">
             <mc:AlternateContent xmlns:mc="http://schemas.openxmlformats.org/markup-compatibility/2006">
               <mc:Choice xmlns:v="urn:schemas-microsoft-com:vml" Requires="v">
-                <p:oleObj spid="_x0000_s123929" name="think-cell Slide" r:id="rId5" imgW="0" imgH="0" progId="">
+                <p:oleObj spid="_x0000_s123931" name="think-cell Slide" r:id="rId5" imgW="0" imgH="0" progId="">
                   <p:embed/>
                 </p:oleObj>
               </mc:Choice>
@@ -24563,7 +24552,7 @@
           <a:graphicData uri="http://schemas.openxmlformats.org/presentationml/2006/ole">
             <mc:AlternateContent xmlns:mc="http://schemas.openxmlformats.org/markup-compatibility/2006">
               <mc:Choice xmlns:v="urn:schemas-microsoft-com:vml" Requires="v">
-                <p:oleObj spid="_x0000_s124954" name="think-cell Slide" r:id="rId5" imgW="0" imgH="0" progId="">
+                <p:oleObj spid="_x0000_s124956" name="think-cell Slide" r:id="rId5" imgW="0" imgH="0" progId="">
                   <p:embed/>
                 </p:oleObj>
               </mc:Choice>
@@ -24724,243 +24713,6 @@
       </p:sp>
       <p:sp>
         <p:nvSpPr>
-          <p:cNvPr id="21" name="TextBox 20"/>
-          <p:cNvSpPr txBox="1"/>
-          <p:nvPr/>
-        </p:nvSpPr>
-        <p:spPr>
-          <a:xfrm>
-            <a:off x="4570060" y="2239186"/>
-            <a:ext cx="4250691" cy="3970318"/>
-          </a:xfrm>
-          <a:prstGeom prst="rect">
-            <a:avLst/>
-          </a:prstGeom>
-          <a:solidFill>
-            <a:schemeClr val="tx1"/>
-          </a:solidFill>
-        </p:spPr>
-        <p:txBody>
-          <a:bodyPr wrap="square" rtlCol="0">
-            <a:spAutoFit/>
-          </a:bodyPr>
-          <a:lstStyle/>
-          <a:p>
-            <a:r>
-              <a:rPr lang="en-US" sz="1400" dirty="0" smtClean="0">
-                <a:solidFill>
-                  <a:srgbClr val="1AB076"/>
-                </a:solidFill>
-              </a:rPr>
-              <a:t>// Revealing Module pattern</a:t>
-            </a:r>
-          </a:p>
-          <a:p>
-            <a:endParaRPr lang="en-US" sz="1400" dirty="0" smtClean="0">
-              <a:solidFill>
-                <a:srgbClr val="1AB076"/>
-              </a:solidFill>
-            </a:endParaRPr>
-          </a:p>
-          <a:p>
-            <a:r>
-              <a:rPr lang="en-US" sz="1400" dirty="0" err="1">
-                <a:solidFill>
-                  <a:srgbClr val="1AB076"/>
-                </a:solidFill>
-              </a:rPr>
-              <a:t>var</a:t>
-            </a:r>
-            <a:r>
-              <a:rPr lang="en-US" sz="1400" dirty="0">
-                <a:solidFill>
-                  <a:srgbClr val="1AB076"/>
-                </a:solidFill>
-              </a:rPr>
-              <a:t> module = (function () {</a:t>
-            </a:r>
-          </a:p>
-          <a:p>
-            <a:endParaRPr lang="en-US" sz="1400" dirty="0">
-              <a:solidFill>
-                <a:srgbClr val="1AB076"/>
-              </a:solidFill>
-            </a:endParaRPr>
-          </a:p>
-          <a:p>
-            <a:r>
-              <a:rPr lang="en-US" sz="1400" dirty="0">
-                <a:solidFill>
-                  <a:srgbClr val="1AB076"/>
-                </a:solidFill>
-              </a:rPr>
-              <a:t>    </a:t>
-            </a:r>
-            <a:r>
-              <a:rPr lang="en-US" sz="1400" dirty="0" err="1">
-                <a:solidFill>
-                  <a:srgbClr val="1AB076"/>
-                </a:solidFill>
-              </a:rPr>
-              <a:t>var</a:t>
-            </a:r>
-            <a:r>
-              <a:rPr lang="en-US" sz="1400" dirty="0">
-                <a:solidFill>
-                  <a:srgbClr val="1AB076"/>
-                </a:solidFill>
-              </a:rPr>
-              <a:t> count = 0;</a:t>
-            </a:r>
-          </a:p>
-          <a:p>
-            <a:r>
-              <a:rPr lang="en-US" sz="1400" dirty="0">
-                <a:solidFill>
-                  <a:srgbClr val="1AB076"/>
-                </a:solidFill>
-              </a:rPr>
-              <a:t>    </a:t>
-            </a:r>
-            <a:r>
-              <a:rPr lang="en-US" sz="1400" dirty="0" err="1">
-                <a:solidFill>
-                  <a:srgbClr val="1AB076"/>
-                </a:solidFill>
-              </a:rPr>
-              <a:t>var</a:t>
-            </a:r>
-            <a:r>
-              <a:rPr lang="en-US" sz="1400" dirty="0">
-                <a:solidFill>
-                  <a:srgbClr val="1AB076"/>
-                </a:solidFill>
-              </a:rPr>
-              <a:t> increment = function () { count++; };</a:t>
-            </a:r>
-          </a:p>
-          <a:p>
-            <a:r>
-              <a:rPr lang="en-US" sz="1400" dirty="0">
-                <a:solidFill>
-                  <a:srgbClr val="1AB076"/>
-                </a:solidFill>
-              </a:rPr>
-              <a:t>    </a:t>
-            </a:r>
-            <a:r>
-              <a:rPr lang="en-US" sz="1400" dirty="0" err="1">
-                <a:solidFill>
-                  <a:srgbClr val="1AB076"/>
-                </a:solidFill>
-              </a:rPr>
-              <a:t>var</a:t>
-            </a:r>
-            <a:r>
-              <a:rPr lang="en-US" sz="1400" dirty="0">
-                <a:solidFill>
-                  <a:srgbClr val="1AB076"/>
-                </a:solidFill>
-              </a:rPr>
-              <a:t> decrement = function () { count--; };</a:t>
-            </a:r>
-          </a:p>
-          <a:p>
-            <a:endParaRPr lang="en-US" sz="1400" dirty="0">
-              <a:solidFill>
-                <a:srgbClr val="1AB076"/>
-              </a:solidFill>
-            </a:endParaRPr>
-          </a:p>
-          <a:p>
-            <a:r>
-              <a:rPr lang="en-US" sz="1400" dirty="0">
-                <a:solidFill>
-                  <a:srgbClr val="1AB076"/>
-                </a:solidFill>
-              </a:rPr>
-              <a:t>    return {</a:t>
-            </a:r>
-          </a:p>
-          <a:p>
-            <a:r>
-              <a:rPr lang="en-US" sz="1400" dirty="0">
-                <a:solidFill>
-                  <a:srgbClr val="1AB076"/>
-                </a:solidFill>
-              </a:rPr>
-              <a:t>        increment: increment,       // same names</a:t>
-            </a:r>
-          </a:p>
-          <a:p>
-            <a:r>
-              <a:rPr lang="en-US" sz="1400" dirty="0">
-                <a:solidFill>
-                  <a:srgbClr val="1AB076"/>
-                </a:solidFill>
-              </a:rPr>
-              <a:t>        decrement: decrement    </a:t>
-            </a:r>
-          </a:p>
-          <a:p>
-            <a:r>
-              <a:rPr lang="en-US" sz="1400" dirty="0">
-                <a:solidFill>
-                  <a:srgbClr val="1AB076"/>
-                </a:solidFill>
-              </a:rPr>
-              <a:t>    };</a:t>
-            </a:r>
-          </a:p>
-          <a:p>
-            <a:r>
-              <a:rPr lang="en-US" sz="1400" dirty="0" smtClean="0">
-                <a:solidFill>
-                  <a:srgbClr val="1AB076"/>
-                </a:solidFill>
-              </a:rPr>
-              <a:t>})();</a:t>
-            </a:r>
-          </a:p>
-          <a:p>
-            <a:endParaRPr lang="en-US" sz="1400" dirty="0">
-              <a:solidFill>
-                <a:srgbClr val="1AB076"/>
-              </a:solidFill>
-            </a:endParaRPr>
-          </a:p>
-          <a:p>
-            <a:endParaRPr lang="en-US" sz="1400" dirty="0" smtClean="0">
-              <a:solidFill>
-                <a:srgbClr val="1AB076"/>
-              </a:solidFill>
-            </a:endParaRPr>
-          </a:p>
-          <a:p>
-            <a:endParaRPr lang="en-US" sz="1400" dirty="0">
-              <a:solidFill>
-                <a:srgbClr val="1AB076"/>
-              </a:solidFill>
-            </a:endParaRPr>
-          </a:p>
-          <a:p>
-            <a:endParaRPr lang="en-US" sz="1400" dirty="0" smtClean="0">
-              <a:solidFill>
-                <a:srgbClr val="1AB076"/>
-              </a:solidFill>
-            </a:endParaRPr>
-          </a:p>
-          <a:p>
-            <a:endParaRPr lang="en-US" sz="1400" dirty="0">
-              <a:solidFill>
-                <a:srgbClr val="1AB076"/>
-              </a:solidFill>
-            </a:endParaRPr>
-          </a:p>
-        </p:txBody>
-      </p:sp>
-      <p:sp>
-        <p:nvSpPr>
           <p:cNvPr id="29" name="Title 1"/>
           <p:cNvSpPr txBox="1">
             <a:spLocks/>
@@ -25417,7 +25169,7 @@
           <a:graphicData uri="http://schemas.openxmlformats.org/presentationml/2006/ole">
             <mc:AlternateContent xmlns:mc="http://schemas.openxmlformats.org/markup-compatibility/2006">
               <mc:Choice xmlns:v="urn:schemas-microsoft-com:vml" Requires="v">
-                <p:oleObj spid="_x0000_s54335" name="think-cell Slide" r:id="rId5" imgW="0" imgH="0" progId="">
+                <p:oleObj spid="_x0000_s54337" name="think-cell Slide" r:id="rId5" imgW="0" imgH="0" progId="">
                   <p:embed/>
                 </p:oleObj>
               </mc:Choice>
@@ -26231,7 +25983,7 @@
           <a:graphicData uri="http://schemas.openxmlformats.org/presentationml/2006/ole">
             <mc:AlternateContent xmlns:mc="http://schemas.openxmlformats.org/markup-compatibility/2006">
               <mc:Choice xmlns:v="urn:schemas-microsoft-com:vml" Requires="v">
-                <p:oleObj spid="_x0000_s125976" name="think-cell Slide" r:id="rId5" imgW="0" imgH="0" progId="">
+                <p:oleObj spid="_x0000_s125978" name="think-cell Slide" r:id="rId5" imgW="0" imgH="0" progId="">
                   <p:embed/>
                 </p:oleObj>
               </mc:Choice>
@@ -27349,7 +27101,7 @@
           <a:graphicData uri="http://schemas.openxmlformats.org/presentationml/2006/ole">
             <mc:AlternateContent xmlns:mc="http://schemas.openxmlformats.org/markup-compatibility/2006">
               <mc:Choice xmlns:v="urn:schemas-microsoft-com:vml" Requires="v">
-                <p:oleObj spid="_x0000_s126999" name="think-cell Slide" r:id="rId5" imgW="0" imgH="0" progId="">
+                <p:oleObj spid="_x0000_s127001" name="think-cell Slide" r:id="rId5" imgW="0" imgH="0" progId="">
                   <p:embed/>
                 </p:oleObj>
               </mc:Choice>
@@ -28240,7 +27992,7 @@
           <a:graphicData uri="http://schemas.openxmlformats.org/presentationml/2006/ole">
             <mc:AlternateContent xmlns:mc="http://schemas.openxmlformats.org/markup-compatibility/2006">
               <mc:Choice xmlns:v="urn:schemas-microsoft-com:vml" Requires="v">
-                <p:oleObj spid="_x0000_s128020" name="think-cell Slide" r:id="rId5" imgW="0" imgH="0" progId="">
+                <p:oleObj spid="_x0000_s128022" name="think-cell Slide" r:id="rId5" imgW="0" imgH="0" progId="">
                   <p:embed/>
                 </p:oleObj>
               </mc:Choice>
@@ -29197,7 +28949,7 @@
           <a:graphicData uri="http://schemas.openxmlformats.org/presentationml/2006/ole">
             <mc:AlternateContent xmlns:mc="http://schemas.openxmlformats.org/markup-compatibility/2006">
               <mc:Choice xmlns:v="urn:schemas-microsoft-com:vml" Requires="v">
-                <p:oleObj spid="_x0000_s129042" name="think-cell Slide" r:id="rId5" imgW="0" imgH="0" progId="">
+                <p:oleObj spid="_x0000_s129044" name="think-cell Slide" r:id="rId5" imgW="0" imgH="0" progId="">
                   <p:embed/>
                 </p:oleObj>
               </mc:Choice>
@@ -30194,7 +29946,7 @@
           <a:graphicData uri="http://schemas.openxmlformats.org/presentationml/2006/ole">
             <mc:AlternateContent xmlns:mc="http://schemas.openxmlformats.org/markup-compatibility/2006">
               <mc:Choice xmlns:v="urn:schemas-microsoft-com:vml" Requires="v">
-                <p:oleObj spid="_x0000_s130067" name="think-cell Slide" r:id="rId5" imgW="0" imgH="0" progId="">
+                <p:oleObj spid="_x0000_s130069" name="think-cell Slide" r:id="rId5" imgW="0" imgH="0" progId="">
                   <p:embed/>
                 </p:oleObj>
               </mc:Choice>
@@ -31263,7 +31015,7 @@
           <a:graphicData uri="http://schemas.openxmlformats.org/presentationml/2006/ole">
             <mc:AlternateContent xmlns:mc="http://schemas.openxmlformats.org/markup-compatibility/2006">
               <mc:Choice xmlns:v="urn:schemas-microsoft-com:vml" Requires="v">
-                <p:oleObj spid="_x0000_s131090" name="think-cell Slide" r:id="rId5" imgW="0" imgH="0" progId="">
+                <p:oleObj spid="_x0000_s131092" name="think-cell Slide" r:id="rId5" imgW="0" imgH="0" progId="">
                   <p:embed/>
                 </p:oleObj>
               </mc:Choice>
@@ -32497,7 +32249,7 @@
           <a:graphicData uri="http://schemas.openxmlformats.org/presentationml/2006/ole">
             <mc:AlternateContent xmlns:mc="http://schemas.openxmlformats.org/markup-compatibility/2006">
               <mc:Choice xmlns:v="urn:schemas-microsoft-com:vml" Requires="v">
-                <p:oleObj spid="_x0000_s132113" name="think-cell Slide" r:id="rId5" imgW="0" imgH="0" progId="">
+                <p:oleObj spid="_x0000_s132115" name="think-cell Slide" r:id="rId5" imgW="0" imgH="0" progId="">
                   <p:embed/>
                 </p:oleObj>
               </mc:Choice>
@@ -34071,7 +33823,7 @@
           <a:graphicData uri="http://schemas.openxmlformats.org/presentationml/2006/ole">
             <mc:AlternateContent xmlns:mc="http://schemas.openxmlformats.org/markup-compatibility/2006">
               <mc:Choice xmlns:v="urn:schemas-microsoft-com:vml" Requires="v">
-                <p:oleObj spid="_x0000_s133135" name="think-cell Slide" r:id="rId5" imgW="0" imgH="0" progId="">
+                <p:oleObj spid="_x0000_s133137" name="think-cell Slide" r:id="rId5" imgW="0" imgH="0" progId="">
                   <p:embed/>
                 </p:oleObj>
               </mc:Choice>
@@ -35542,7 +35294,7 @@
           <a:graphicData uri="http://schemas.openxmlformats.org/presentationml/2006/ole">
             <mc:AlternateContent xmlns:mc="http://schemas.openxmlformats.org/markup-compatibility/2006">
               <mc:Choice xmlns:v="urn:schemas-microsoft-com:vml" Requires="v">
-                <p:oleObj spid="_x0000_s137230" name="think-cell Slide" r:id="rId5" imgW="0" imgH="0" progId="">
+                <p:oleObj spid="_x0000_s137232" name="think-cell Slide" r:id="rId5" imgW="0" imgH="0" progId="">
                   <p:embed/>
                 </p:oleObj>
               </mc:Choice>
@@ -36470,7 +36222,7 @@
           <a:graphicData uri="http://schemas.openxmlformats.org/presentationml/2006/ole">
             <mc:AlternateContent xmlns:mc="http://schemas.openxmlformats.org/markup-compatibility/2006">
               <mc:Choice xmlns:v="urn:schemas-microsoft-com:vml" Requires="v">
-                <p:oleObj spid="_x0000_s90171" name="think-cell Slide" r:id="rId5" imgW="0" imgH="0" progId="">
+                <p:oleObj spid="_x0000_s90173" name="think-cell Slide" r:id="rId5" imgW="0" imgH="0" progId="">
                   <p:embed/>
                 </p:oleObj>
               </mc:Choice>
@@ -36594,33 +36346,8 @@
                 <a:ea typeface="+mj-ea"/>
                 <a:cs typeface="+mj-cs"/>
               </a:rPr>
-              <a:t>Session </a:t>
-            </a:r>
-            <a:r>
-              <a:rPr lang="en-US" sz="2400" kern="0" dirty="0" smtClean="0">
-                <a:solidFill>
-                  <a:schemeClr val="tx2">
-                    <a:lumMod val="75000"/>
-                    <a:lumOff val="25000"/>
-                  </a:schemeClr>
-                </a:solidFill>
-                <a:latin typeface="Open Sans"/>
-                <a:ea typeface="+mj-ea"/>
-                <a:cs typeface="+mj-cs"/>
-              </a:rPr>
-              <a:t>3: </a:t>
-            </a:r>
-            <a:endParaRPr lang="en-US" sz="2400" kern="0" dirty="0" smtClean="0">
-              <a:solidFill>
-                <a:schemeClr val="tx2">
-                  <a:lumMod val="75000"/>
-                  <a:lumOff val="25000"/>
-                </a:schemeClr>
-              </a:solidFill>
-              <a:latin typeface="Open Sans"/>
-              <a:ea typeface="+mj-ea"/>
-              <a:cs typeface="+mj-cs"/>
-            </a:endParaRPr>
+              <a:t>Session 3: </a:t>
+            </a:r>
           </a:p>
           <a:p>
             <a:pPr algn="ctr" defTabSz="895350" eaLnBrk="0" hangingPunct="0">
@@ -37032,7 +36759,7 @@
           <a:graphicData uri="http://schemas.openxmlformats.org/presentationml/2006/ole">
             <mc:AlternateContent xmlns:mc="http://schemas.openxmlformats.org/markup-compatibility/2006">
               <mc:Choice xmlns:v="urn:schemas-microsoft-com:vml" Requires="v">
-                <p:oleObj spid="_x0000_s72770" name="think-cell Slide" r:id="rId5" imgW="0" imgH="0" progId="">
+                <p:oleObj spid="_x0000_s72772" name="think-cell Slide" r:id="rId5" imgW="0" imgH="0" progId="">
                   <p:embed/>
                 </p:oleObj>
               </mc:Choice>
@@ -37156,33 +36883,8 @@
                 <a:ea typeface="+mj-ea"/>
                 <a:cs typeface="+mj-cs"/>
               </a:rPr>
-              <a:t>Session </a:t>
-            </a:r>
-            <a:r>
-              <a:rPr lang="en-US" sz="2400" kern="0" dirty="0" smtClean="0">
-                <a:solidFill>
-                  <a:schemeClr val="tx2">
-                    <a:lumMod val="75000"/>
-                    <a:lumOff val="25000"/>
-                  </a:schemeClr>
-                </a:solidFill>
-                <a:latin typeface="Open Sans"/>
-                <a:ea typeface="+mj-ea"/>
-                <a:cs typeface="+mj-cs"/>
-              </a:rPr>
-              <a:t>1: </a:t>
-            </a:r>
-            <a:endParaRPr lang="en-US" sz="2400" kern="0" dirty="0" smtClean="0">
-              <a:solidFill>
-                <a:schemeClr val="tx2">
-                  <a:lumMod val="75000"/>
-                  <a:lumOff val="25000"/>
-                </a:schemeClr>
-              </a:solidFill>
-              <a:latin typeface="Open Sans"/>
-              <a:ea typeface="+mj-ea"/>
-              <a:cs typeface="+mj-cs"/>
-            </a:endParaRPr>
+              <a:t>Session 1: </a:t>
+            </a:r>
           </a:p>
           <a:p>
             <a:pPr algn="ctr" defTabSz="895350" eaLnBrk="0" hangingPunct="0">
@@ -37586,7 +37288,7 @@
           <a:graphicData uri="http://schemas.openxmlformats.org/presentationml/2006/ole">
             <mc:AlternateContent xmlns:mc="http://schemas.openxmlformats.org/markup-compatibility/2006">
               <mc:Choice xmlns:v="urn:schemas-microsoft-com:vml" Requires="v">
-                <p:oleObj spid="_x0000_s119840" name="think-cell Slide" r:id="rId5" imgW="0" imgH="0" progId="">
+                <p:oleObj spid="_x0000_s119842" name="think-cell Slide" r:id="rId5" imgW="0" imgH="0" progId="">
                   <p:embed/>
                 </p:oleObj>
               </mc:Choice>
@@ -37796,8 +37498,20 @@
             <a:tbl>
               <a:tblPr/>
               <a:tblGrid>
-                <a:gridCol w="2293719"/>
-                <a:gridCol w="6156830"/>
+                <a:gridCol w="2293719">
+                  <a:extLst>
+                    <a:ext uri="{9D8B030D-6E8A-4147-A177-3AD203B41FA5}">
+                      <a16:colId xmlns:a16="http://schemas.microsoft.com/office/drawing/2014/main" val="20000"/>
+                    </a:ext>
+                  </a:extLst>
+                </a:gridCol>
+                <a:gridCol w="6156830">
+                  <a:extLst>
+                    <a:ext uri="{9D8B030D-6E8A-4147-A177-3AD203B41FA5}">
+                      <a16:colId xmlns:a16="http://schemas.microsoft.com/office/drawing/2014/main" val="20001"/>
+                    </a:ext>
+                  </a:extLst>
+                </a:gridCol>
               </a:tblGrid>
               <a:tr h="546377">
                 <a:tc gridSpan="2">
@@ -37854,6 +37568,11 @@
                   </a:txBody>
                   <a:tcPr/>
                 </a:tc>
+                <a:extLst>
+                  <a:ext uri="{0D108BD9-81ED-4DB2-BD59-A6C34878D82A}">
+                    <a16:rowId xmlns:a16="http://schemas.microsoft.com/office/drawing/2014/main" val="10000"/>
+                  </a:ext>
+                </a:extLst>
               </a:tr>
               <a:tr h="927199">
                 <a:tc>
@@ -37956,6 +37675,11 @@
                     </a:solidFill>
                   </a:tcPr>
                 </a:tc>
+                <a:extLst>
+                  <a:ext uri="{0D108BD9-81ED-4DB2-BD59-A6C34878D82A}">
+                    <a16:rowId xmlns:a16="http://schemas.microsoft.com/office/drawing/2014/main" val="10001"/>
+                  </a:ext>
+                </a:extLst>
               </a:tr>
               <a:tr h="927199">
                 <a:tc>
@@ -38058,6 +37782,11 @@
                     </a:solidFill>
                   </a:tcPr>
                 </a:tc>
+                <a:extLst>
+                  <a:ext uri="{0D108BD9-81ED-4DB2-BD59-A6C34878D82A}">
+                    <a16:rowId xmlns:a16="http://schemas.microsoft.com/office/drawing/2014/main" val="10002"/>
+                  </a:ext>
+                </a:extLst>
               </a:tr>
               <a:tr h="927199">
                 <a:tc>
@@ -38160,6 +37889,11 @@
                     </a:solidFill>
                   </a:tcPr>
                 </a:tc>
+                <a:extLst>
+                  <a:ext uri="{0D108BD9-81ED-4DB2-BD59-A6C34878D82A}">
+                    <a16:rowId xmlns:a16="http://schemas.microsoft.com/office/drawing/2014/main" val="10003"/>
+                  </a:ext>
+                </a:extLst>
               </a:tr>
               <a:tr h="927199">
                 <a:tc>
@@ -38262,6 +37996,11 @@
                     </a:solidFill>
                   </a:tcPr>
                 </a:tc>
+                <a:extLst>
+                  <a:ext uri="{0D108BD9-81ED-4DB2-BD59-A6C34878D82A}">
+                    <a16:rowId xmlns:a16="http://schemas.microsoft.com/office/drawing/2014/main" val="10004"/>
+                  </a:ext>
+                </a:extLst>
               </a:tr>
               <a:tr h="927199">
                 <a:tc>
@@ -38352,6 +38091,11 @@
                     </a:solidFill>
                   </a:tcPr>
                 </a:tc>
+                <a:extLst>
+                  <a:ext uri="{0D108BD9-81ED-4DB2-BD59-A6C34878D82A}">
+                    <a16:rowId xmlns:a16="http://schemas.microsoft.com/office/drawing/2014/main" val="10005"/>
+                  </a:ext>
+                </a:extLst>
               </a:tr>
             </a:tbl>
           </a:graphicData>
@@ -38701,7 +38445,7 @@
           <a:graphicData uri="http://schemas.openxmlformats.org/presentationml/2006/ole">
             <mc:AlternateContent xmlns:mc="http://schemas.openxmlformats.org/markup-compatibility/2006">
               <mc:Choice xmlns:v="urn:schemas-microsoft-com:vml" Requires="v">
-                <p:oleObj spid="_x0000_s135180" name="think-cell Slide" r:id="rId5" imgW="0" imgH="0" progId="">
+                <p:oleObj spid="_x0000_s135182" name="think-cell Slide" r:id="rId5" imgW="0" imgH="0" progId="">
                   <p:embed/>
                 </p:oleObj>
               </mc:Choice>
@@ -38778,8 +38522,20 @@
             <a:tbl>
               <a:tblPr/>
               <a:tblGrid>
-                <a:gridCol w="2323985"/>
-                <a:gridCol w="6238065"/>
+                <a:gridCol w="2323985">
+                  <a:extLst>
+                    <a:ext uri="{9D8B030D-6E8A-4147-A177-3AD203B41FA5}">
+                      <a16:colId xmlns:a16="http://schemas.microsoft.com/office/drawing/2014/main" val="20000"/>
+                    </a:ext>
+                  </a:extLst>
+                </a:gridCol>
+                <a:gridCol w="6238065">
+                  <a:extLst>
+                    <a:ext uri="{9D8B030D-6E8A-4147-A177-3AD203B41FA5}">
+                      <a16:colId xmlns:a16="http://schemas.microsoft.com/office/drawing/2014/main" val="20001"/>
+                    </a:ext>
+                  </a:extLst>
+                </a:gridCol>
               </a:tblGrid>
               <a:tr h="432364">
                 <a:tc gridSpan="2">
@@ -38836,6 +38592,11 @@
                   </a:txBody>
                   <a:tcPr/>
                 </a:tc>
+                <a:extLst>
+                  <a:ext uri="{0D108BD9-81ED-4DB2-BD59-A6C34878D82A}">
+                    <a16:rowId xmlns:a16="http://schemas.microsoft.com/office/drawing/2014/main" val="10000"/>
+                  </a:ext>
+                </a:extLst>
               </a:tr>
               <a:tr h="739852">
                 <a:tc>
@@ -38938,6 +38699,11 @@
                     </a:solidFill>
                   </a:tcPr>
                 </a:tc>
+                <a:extLst>
+                  <a:ext uri="{0D108BD9-81ED-4DB2-BD59-A6C34878D82A}">
+                    <a16:rowId xmlns:a16="http://schemas.microsoft.com/office/drawing/2014/main" val="10001"/>
+                  </a:ext>
+                </a:extLst>
               </a:tr>
               <a:tr h="739852">
                 <a:tc>
@@ -39040,6 +38806,11 @@
                     </a:solidFill>
                   </a:tcPr>
                 </a:tc>
+                <a:extLst>
+                  <a:ext uri="{0D108BD9-81ED-4DB2-BD59-A6C34878D82A}">
+                    <a16:rowId xmlns:a16="http://schemas.microsoft.com/office/drawing/2014/main" val="10002"/>
+                  </a:ext>
+                </a:extLst>
               </a:tr>
               <a:tr h="739852">
                 <a:tc>
@@ -39142,6 +38913,11 @@
                     </a:solidFill>
                   </a:tcPr>
                 </a:tc>
+                <a:extLst>
+                  <a:ext uri="{0D108BD9-81ED-4DB2-BD59-A6C34878D82A}">
+                    <a16:rowId xmlns:a16="http://schemas.microsoft.com/office/drawing/2014/main" val="10003"/>
+                  </a:ext>
+                </a:extLst>
               </a:tr>
               <a:tr h="739852">
                 <a:tc>
@@ -39244,6 +39020,11 @@
                     </a:solidFill>
                   </a:tcPr>
                 </a:tc>
+                <a:extLst>
+                  <a:ext uri="{0D108BD9-81ED-4DB2-BD59-A6C34878D82A}">
+                    <a16:rowId xmlns:a16="http://schemas.microsoft.com/office/drawing/2014/main" val="10004"/>
+                  </a:ext>
+                </a:extLst>
               </a:tr>
               <a:tr h="739852">
                 <a:tc>
@@ -39346,6 +39127,11 @@
                     </a:solidFill>
                   </a:tcPr>
                 </a:tc>
+                <a:extLst>
+                  <a:ext uri="{0D108BD9-81ED-4DB2-BD59-A6C34878D82A}">
+                    <a16:rowId xmlns:a16="http://schemas.microsoft.com/office/drawing/2014/main" val="10005"/>
+                  </a:ext>
+                </a:extLst>
               </a:tr>
               <a:tr h="739852">
                 <a:tc>
@@ -39448,6 +39234,11 @@
                     </a:solidFill>
                   </a:tcPr>
                 </a:tc>
+                <a:extLst>
+                  <a:ext uri="{0D108BD9-81ED-4DB2-BD59-A6C34878D82A}">
+                    <a16:rowId xmlns:a16="http://schemas.microsoft.com/office/drawing/2014/main" val="10006"/>
+                  </a:ext>
+                </a:extLst>
               </a:tr>
               <a:tr h="739852">
                 <a:tc>
@@ -39538,6 +39329,11 @@
                     </a:solidFill>
                   </a:tcPr>
                 </a:tc>
+                <a:extLst>
+                  <a:ext uri="{0D108BD9-81ED-4DB2-BD59-A6C34878D82A}">
+                    <a16:rowId xmlns:a16="http://schemas.microsoft.com/office/drawing/2014/main" val="10007"/>
+                  </a:ext>
+                </a:extLst>
               </a:tr>
             </a:tbl>
           </a:graphicData>
@@ -40020,7 +39816,7 @@
           <a:graphicData uri="http://schemas.openxmlformats.org/presentationml/2006/ole">
             <mc:AlternateContent xmlns:mc="http://schemas.openxmlformats.org/markup-compatibility/2006">
               <mc:Choice xmlns:v="urn:schemas-microsoft-com:vml" Requires="v">
-                <p:oleObj spid="_x0000_s136204" name="think-cell Slide" r:id="rId5" imgW="0" imgH="0" progId="">
+                <p:oleObj spid="_x0000_s136206" name="think-cell Slide" r:id="rId5" imgW="0" imgH="0" progId="">
                   <p:embed/>
                 </p:oleObj>
               </mc:Choice>
@@ -40097,8 +39893,20 @@
             <a:tbl>
               <a:tblPr/>
               <a:tblGrid>
-                <a:gridCol w="2323984"/>
-                <a:gridCol w="6238066"/>
+                <a:gridCol w="2323984">
+                  <a:extLst>
+                    <a:ext uri="{9D8B030D-6E8A-4147-A177-3AD203B41FA5}">
+                      <a16:colId xmlns:a16="http://schemas.microsoft.com/office/drawing/2014/main" val="20000"/>
+                    </a:ext>
+                  </a:extLst>
+                </a:gridCol>
+                <a:gridCol w="6238066">
+                  <a:extLst>
+                    <a:ext uri="{9D8B030D-6E8A-4147-A177-3AD203B41FA5}">
+                      <a16:colId xmlns:a16="http://schemas.microsoft.com/office/drawing/2014/main" val="20001"/>
+                    </a:ext>
+                  </a:extLst>
+                </a:gridCol>
               </a:tblGrid>
               <a:tr h="282887">
                 <a:tc gridSpan="2">
@@ -40155,6 +39963,11 @@
                   </a:txBody>
                   <a:tcPr/>
                 </a:tc>
+                <a:extLst>
+                  <a:ext uri="{0D108BD9-81ED-4DB2-BD59-A6C34878D82A}">
+                    <a16:rowId xmlns:a16="http://schemas.microsoft.com/office/drawing/2014/main" val="10000"/>
+                  </a:ext>
+                </a:extLst>
               </a:tr>
               <a:tr h="482191">
                 <a:tc>
@@ -40257,6 +40070,11 @@
                     </a:solidFill>
                   </a:tcPr>
                 </a:tc>
+                <a:extLst>
+                  <a:ext uri="{0D108BD9-81ED-4DB2-BD59-A6C34878D82A}">
+                    <a16:rowId xmlns:a16="http://schemas.microsoft.com/office/drawing/2014/main" val="10001"/>
+                  </a:ext>
+                </a:extLst>
               </a:tr>
               <a:tr h="482191">
                 <a:tc>
@@ -40359,6 +40177,11 @@
                     </a:solidFill>
                   </a:tcPr>
                 </a:tc>
+                <a:extLst>
+                  <a:ext uri="{0D108BD9-81ED-4DB2-BD59-A6C34878D82A}">
+                    <a16:rowId xmlns:a16="http://schemas.microsoft.com/office/drawing/2014/main" val="10002"/>
+                  </a:ext>
+                </a:extLst>
               </a:tr>
               <a:tr h="482191">
                 <a:tc>
@@ -40461,6 +40284,11 @@
                     </a:solidFill>
                   </a:tcPr>
                 </a:tc>
+                <a:extLst>
+                  <a:ext uri="{0D108BD9-81ED-4DB2-BD59-A6C34878D82A}">
+                    <a16:rowId xmlns:a16="http://schemas.microsoft.com/office/drawing/2014/main" val="10003"/>
+                  </a:ext>
+                </a:extLst>
               </a:tr>
               <a:tr h="482191">
                 <a:tc>
@@ -40563,6 +40391,11 @@
                     </a:solidFill>
                   </a:tcPr>
                 </a:tc>
+                <a:extLst>
+                  <a:ext uri="{0D108BD9-81ED-4DB2-BD59-A6C34878D82A}">
+                    <a16:rowId xmlns:a16="http://schemas.microsoft.com/office/drawing/2014/main" val="10004"/>
+                  </a:ext>
+                </a:extLst>
               </a:tr>
               <a:tr h="482191">
                 <a:tc>
@@ -40665,6 +40498,11 @@
                     </a:solidFill>
                   </a:tcPr>
                 </a:tc>
+                <a:extLst>
+                  <a:ext uri="{0D108BD9-81ED-4DB2-BD59-A6C34878D82A}">
+                    <a16:rowId xmlns:a16="http://schemas.microsoft.com/office/drawing/2014/main" val="10005"/>
+                  </a:ext>
+                </a:extLst>
               </a:tr>
               <a:tr h="482191">
                 <a:tc>
@@ -40767,6 +40605,11 @@
                     </a:solidFill>
                   </a:tcPr>
                 </a:tc>
+                <a:extLst>
+                  <a:ext uri="{0D108BD9-81ED-4DB2-BD59-A6C34878D82A}">
+                    <a16:rowId xmlns:a16="http://schemas.microsoft.com/office/drawing/2014/main" val="10006"/>
+                  </a:ext>
+                </a:extLst>
               </a:tr>
               <a:tr h="482191">
                 <a:tc>
@@ -40869,6 +40712,11 @@
                     </a:solidFill>
                   </a:tcPr>
                 </a:tc>
+                <a:extLst>
+                  <a:ext uri="{0D108BD9-81ED-4DB2-BD59-A6C34878D82A}">
+                    <a16:rowId xmlns:a16="http://schemas.microsoft.com/office/drawing/2014/main" val="10007"/>
+                  </a:ext>
+                </a:extLst>
               </a:tr>
               <a:tr h="482191">
                 <a:tc>
@@ -40971,6 +40819,11 @@
                     </a:solidFill>
                   </a:tcPr>
                 </a:tc>
+                <a:extLst>
+                  <a:ext uri="{0D108BD9-81ED-4DB2-BD59-A6C34878D82A}">
+                    <a16:rowId xmlns:a16="http://schemas.microsoft.com/office/drawing/2014/main" val="10008"/>
+                  </a:ext>
+                </a:extLst>
               </a:tr>
               <a:tr h="482191">
                 <a:tc>
@@ -41073,6 +40926,11 @@
                     </a:solidFill>
                   </a:tcPr>
                 </a:tc>
+                <a:extLst>
+                  <a:ext uri="{0D108BD9-81ED-4DB2-BD59-A6C34878D82A}">
+                    <a16:rowId xmlns:a16="http://schemas.microsoft.com/office/drawing/2014/main" val="10009"/>
+                  </a:ext>
+                </a:extLst>
               </a:tr>
               <a:tr h="482191">
                 <a:tc>
@@ -41175,6 +41033,11 @@
                     </a:solidFill>
                   </a:tcPr>
                 </a:tc>
+                <a:extLst>
+                  <a:ext uri="{0D108BD9-81ED-4DB2-BD59-A6C34878D82A}">
+                    <a16:rowId xmlns:a16="http://schemas.microsoft.com/office/drawing/2014/main" val="10010"/>
+                  </a:ext>
+                </a:extLst>
               </a:tr>
               <a:tr h="482191">
                 <a:tc>
@@ -41265,6 +41128,11 @@
                     </a:solidFill>
                   </a:tcPr>
                 </a:tc>
+                <a:extLst>
+                  <a:ext uri="{0D108BD9-81ED-4DB2-BD59-A6C34878D82A}">
+                    <a16:rowId xmlns:a16="http://schemas.microsoft.com/office/drawing/2014/main" val="10011"/>
+                  </a:ext>
+                </a:extLst>
               </a:tr>
             </a:tbl>
           </a:graphicData>
@@ -41747,7 +41615,7 @@
           <a:graphicData uri="http://schemas.openxmlformats.org/presentationml/2006/ole">
             <mc:AlternateContent xmlns:mc="http://schemas.openxmlformats.org/markup-compatibility/2006">
               <mc:Choice xmlns:v="urn:schemas-microsoft-com:vml" Requires="v">
-                <p:oleObj spid="_x0000_s92216" name="think-cell Slide" r:id="rId5" imgW="0" imgH="0" progId="">
+                <p:oleObj spid="_x0000_s92218" name="think-cell Slide" r:id="rId5" imgW="0" imgH="0" progId="">
                   <p:embed/>
                 </p:oleObj>
               </mc:Choice>
@@ -41901,17 +41769,6 @@
               </a:rPr>
               <a:t>: </a:t>
             </a:r>
-            <a:endParaRPr lang="en-US" sz="2400" kern="0" dirty="0" smtClean="0">
-              <a:solidFill>
-                <a:schemeClr val="tx2">
-                  <a:lumMod val="75000"/>
-                  <a:lumOff val="25000"/>
-                </a:schemeClr>
-              </a:solidFill>
-              <a:latin typeface="Open Sans"/>
-              <a:ea typeface="+mj-ea"/>
-              <a:cs typeface="+mj-cs"/>
-            </a:endParaRPr>
           </a:p>
           <a:p>
             <a:pPr algn="ctr" defTabSz="895350" eaLnBrk="0" hangingPunct="0">
@@ -42315,7 +42172,7 @@
           <a:graphicData uri="http://schemas.openxmlformats.org/presentationml/2006/ole">
             <mc:AlternateContent xmlns:mc="http://schemas.openxmlformats.org/markup-compatibility/2006">
               <mc:Choice xmlns:v="urn:schemas-microsoft-com:vml" Requires="v">
-                <p:oleObj spid="_x0000_s138252" name="think-cell Slide" r:id="rId5" imgW="0" imgH="0" progId="">
+                <p:oleObj spid="_x0000_s138254" name="think-cell Slide" r:id="rId5" imgW="0" imgH="0" progId="">
                   <p:embed/>
                 </p:oleObj>
               </mc:Choice>
@@ -42407,21 +42264,7 @@
                 <a:ea typeface="+mj-ea"/>
                 <a:cs typeface="+mj-cs"/>
               </a:rPr>
-              <a:t>Session </a:t>
-            </a:r>
-            <a:r>
-              <a:rPr lang="en-US" sz="2000" kern="0" dirty="0" smtClean="0">
-                <a:solidFill>
-                  <a:schemeClr val="tx2">
-                    <a:lumMod val="75000"/>
-                    <a:lumOff val="25000"/>
-                  </a:schemeClr>
-                </a:solidFill>
-                <a:latin typeface="Open Sans"/>
-                <a:ea typeface="+mj-ea"/>
-                <a:cs typeface="+mj-cs"/>
-              </a:rPr>
-              <a:t>4: </a:t>
+              <a:t>Session 4: </a:t>
             </a:r>
             <a:r>
               <a:rPr lang="en-US" sz="2000" b="1" kern="0" dirty="0" smtClean="0">
@@ -43152,7 +42995,7 @@
           <a:graphicData uri="http://schemas.openxmlformats.org/presentationml/2006/ole">
             <mc:AlternateContent xmlns:mc="http://schemas.openxmlformats.org/markup-compatibility/2006">
               <mc:Choice xmlns:v="urn:schemas-microsoft-com:vml" Requires="v">
-                <p:oleObj spid="_x0000_s89155" name="think-cell Slide" r:id="rId5" imgW="0" imgH="0" progId="">
+                <p:oleObj spid="_x0000_s89157" name="think-cell Slide" r:id="rId5" imgW="0" imgH="0" progId="">
                   <p:embed/>
                 </p:oleObj>
               </mc:Choice>
@@ -43794,7 +43637,7 @@
           <a:graphicData uri="http://schemas.openxmlformats.org/presentationml/2006/ole">
             <mc:AlternateContent xmlns:mc="http://schemas.openxmlformats.org/markup-compatibility/2006">
               <mc:Choice xmlns:v="urn:schemas-microsoft-com:vml" Requires="v">
-                <p:oleObj spid="_x0000_s110636" name="think-cell Slide" r:id="rId5" imgW="0" imgH="0" progId="">
+                <p:oleObj spid="_x0000_s110638" name="think-cell Slide" r:id="rId5" imgW="0" imgH="0" progId="">
                   <p:embed/>
                 </p:oleObj>
               </mc:Choice>
@@ -44528,7 +44371,7 @@
           <a:graphicData uri="http://schemas.openxmlformats.org/presentationml/2006/ole">
             <mc:AlternateContent xmlns:mc="http://schemas.openxmlformats.org/markup-compatibility/2006">
               <mc:Choice xmlns:v="urn:schemas-microsoft-com:vml" Requires="v">
-                <p:oleObj spid="_x0000_s95294" name="think-cell Slide" r:id="rId5" imgW="0" imgH="0" progId="">
+                <p:oleObj spid="_x0000_s95296" name="think-cell Slide" r:id="rId5" imgW="0" imgH="0" progId="">
                   <p:embed/>
                 </p:oleObj>
               </mc:Choice>
@@ -45259,7 +45102,7 @@
           <a:graphicData uri="http://schemas.openxmlformats.org/presentationml/2006/ole">
             <mc:AlternateContent xmlns:mc="http://schemas.openxmlformats.org/markup-compatibility/2006">
               <mc:Choice xmlns:v="urn:schemas-microsoft-com:vml" Requires="v">
-                <p:oleObj spid="_x0000_s111653" name="think-cell Slide" r:id="rId5" imgW="0" imgH="0" progId="">
+                <p:oleObj spid="_x0000_s111655" name="think-cell Slide" r:id="rId5" imgW="0" imgH="0" progId="">
                   <p:embed/>
                 </p:oleObj>
               </mc:Choice>
@@ -46031,7 +45874,7 @@
           <a:graphicData uri="http://schemas.openxmlformats.org/presentationml/2006/ole">
             <mc:AlternateContent xmlns:mc="http://schemas.openxmlformats.org/markup-compatibility/2006">
               <mc:Choice xmlns:v="urn:schemas-microsoft-com:vml" Requires="v">
-                <p:oleObj spid="_x0000_s112676" name="think-cell Slide" r:id="rId5" imgW="0" imgH="0" progId="">
+                <p:oleObj spid="_x0000_s112678" name="think-cell Slide" r:id="rId5" imgW="0" imgH="0" progId="">
                   <p:embed/>
                 </p:oleObj>
               </mc:Choice>
@@ -47359,7 +47202,7 @@
           <a:graphicData uri="http://schemas.openxmlformats.org/presentationml/2006/ole">
             <mc:AlternateContent xmlns:mc="http://schemas.openxmlformats.org/markup-compatibility/2006">
               <mc:Choice xmlns:v="urn:schemas-microsoft-com:vml" Requires="v">
-                <p:oleObj spid="_x0000_s113698" name="think-cell Slide" r:id="rId5" imgW="0" imgH="0" progId="">
+                <p:oleObj spid="_x0000_s113700" name="think-cell Slide" r:id="rId5" imgW="0" imgH="0" progId="">
                   <p:embed/>
                 </p:oleObj>
               </mc:Choice>
@@ -48703,7 +48546,7 @@
           <a:graphicData uri="http://schemas.openxmlformats.org/presentationml/2006/ole">
             <mc:AlternateContent xmlns:mc="http://schemas.openxmlformats.org/markup-compatibility/2006">
               <mc:Choice xmlns:v="urn:schemas-microsoft-com:vml" Requires="v">
-                <p:oleObj spid="_x0000_s115744" name="think-cell Slide" r:id="rId5" imgW="0" imgH="0" progId="">
+                <p:oleObj spid="_x0000_s115746" name="think-cell Slide" r:id="rId5" imgW="0" imgH="0" progId="">
                   <p:embed/>
                 </p:oleObj>
               </mc:Choice>
